--- a/Presentation files/CML_compiler_presentation.pptx
+++ b/Presentation files/CML_compiler_presentation.pptx
@@ -31662,9 +31662,14 @@
           <a:lstStyle/>
           <a:p>
             <a:r>
-              <a:rPr lang="pt-BR" dirty="0"/>
-              <a:t>Atividade 2 – filtros passa-banda MZI SOI aplicados a WDM e (de-)multiplexadores</a:t>
-            </a:r>
+              <a:rPr lang="pt-BR"/>
+              <a:t>Atividade – Design de um acoplador direcional utilizando a ferramenta </a:t>
+            </a:r>
+            <a:r>
+              <a:rPr lang="pt-BR" i="1"/>
+              <a:t>CML compiler</a:t>
+            </a:r>
+            <a:endParaRPr lang="pt-BR" dirty="0"/>
           </a:p>
         </p:txBody>
       </p:sp>
